--- a/images/images.pptx
+++ b/images/images.pptx
@@ -8,6 +8,8 @@
     <p:sldId id="256" r:id="rId2"/>
     <p:sldId id="257" r:id="rId3"/>
     <p:sldId id="258" r:id="rId4"/>
+    <p:sldId id="259" r:id="rId5"/>
+    <p:sldId id="260" r:id="rId6"/>
   </p:sldIdLst>
   <p:sldSz cx="12192000" cy="6858000"/>
   <p:notesSz cx="6858000" cy="9144000"/>
@@ -106,6 +108,11 @@
       </a:defRPr>
     </a:lvl9pPr>
   </p:defaultTextStyle>
+  <p:extLst>
+    <p:ext uri="{EFAFB233-063F-42B5-8137-9DF3F51BA10A}">
+      <p15:sldGuideLst xmlns:p15="http://schemas.microsoft.com/office/powerpoint/2012/main"/>
+    </p:ext>
+  </p:extLst>
 </p:presentation>
 </file>
 
@@ -3351,7 +3358,7 @@
           <a:graphicData uri="http://schemas.openxmlformats.org/presentationml/2006/ole">
             <mc:AlternateContent xmlns:mc="http://schemas.openxmlformats.org/markup-compatibility/2006">
               <mc:Choice xmlns:v="urn:schemas-microsoft-com:vml" Requires="v">
-                <p:oleObj spid="_x0000_s1028" name="Equation" r:id="rId3" imgW="1244520" imgH="393480" progId="Equation.DSMT4">
+                <p:oleObj spid="_x0000_s1030" name="Equation" r:id="rId3" imgW="1244520" imgH="393480" progId="Equation.DSMT4">
                   <p:embed/>
                 </p:oleObj>
               </mc:Choice>
@@ -3444,7 +3451,7 @@
           <a:graphicData uri="http://schemas.openxmlformats.org/presentationml/2006/ole">
             <mc:AlternateContent xmlns:mc="http://schemas.openxmlformats.org/markup-compatibility/2006">
               <mc:Choice xmlns:v="urn:schemas-microsoft-com:vml" Requires="v">
-                <p:oleObj spid="_x0000_s2052" name="Equation" r:id="rId3" imgW="4027814" imgH="3485382" progId="Equation.DSMT4">
+                <p:oleObj spid="_x0000_s2054" name="Equation" r:id="rId3" imgW="4027814" imgH="3485382" progId="Equation.DSMT4">
                   <p:embed/>
                 </p:oleObj>
               </mc:Choice>
@@ -3973,6 +3980,192 @@
     <p:extLst>
       <p:ext uri="{BB962C8B-B14F-4D97-AF65-F5344CB8AC3E}">
         <p14:creationId xmlns:p14="http://schemas.microsoft.com/office/powerpoint/2010/main" val="2174398794"/>
+      </p:ext>
+    </p:extLst>
+  </p:cSld>
+  <p:clrMapOvr>
+    <a:masterClrMapping/>
+  </p:clrMapOvr>
+</p:sld>
+</file>
+
+<file path=ppt/slides/slide4.xml><?xml version="1.0" encoding="utf-8"?>
+<p:sld xmlns:a="http://schemas.openxmlformats.org/drawingml/2006/main" xmlns:r="http://schemas.openxmlformats.org/officeDocument/2006/relationships" xmlns:p="http://schemas.openxmlformats.org/presentationml/2006/main">
+  <p:cSld>
+    <p:spTree>
+      <p:nvGrpSpPr>
+        <p:cNvPr id="1" name=""/>
+        <p:cNvGrpSpPr/>
+        <p:nvPr/>
+      </p:nvGrpSpPr>
+      <p:grpSpPr>
+        <a:xfrm>
+          <a:off x="0" y="0"/>
+          <a:ext cx="0" cy="0"/>
+          <a:chOff x="0" y="0"/>
+          <a:chExt cx="0" cy="0"/>
+        </a:xfrm>
+      </p:grpSpPr>
+      <p:graphicFrame>
+        <p:nvGraphicFramePr>
+          <p:cNvPr id="4" name="Object 3">
+            <a:extLst>
+              <a:ext uri="{FF2B5EF4-FFF2-40B4-BE49-F238E27FC236}">
+                <a16:creationId xmlns:a16="http://schemas.microsoft.com/office/drawing/2014/main" id="{6D44D533-C87E-4383-82E1-50EEB12249C7}"/>
+              </a:ext>
+            </a:extLst>
+          </p:cNvPr>
+          <p:cNvGraphicFramePr>
+            <a:graphicFrameLocks noChangeAspect="1"/>
+          </p:cNvGraphicFramePr>
+          <p:nvPr>
+            <p:extLst>
+              <p:ext uri="{D42A27DB-BD31-4B8C-83A1-F6EECF244321}">
+                <p14:modId xmlns:p14="http://schemas.microsoft.com/office/powerpoint/2010/main" val="2511416871"/>
+              </p:ext>
+            </p:extLst>
+          </p:nvPr>
+        </p:nvGraphicFramePr>
+        <p:xfrm>
+          <a:off x="4349750" y="2597150"/>
+          <a:ext cx="2754313" cy="1150938"/>
+        </p:xfrm>
+        <a:graphic>
+          <a:graphicData uri="http://schemas.openxmlformats.org/presentationml/2006/ole">
+            <mc:AlternateContent xmlns:mc="http://schemas.openxmlformats.org/markup-compatibility/2006">
+              <mc:Choice xmlns:v="urn:schemas-microsoft-com:vml" Requires="v">
+                <p:oleObj spid="_x0000_s3075" name="Equation" r:id="rId3" imgW="698400" imgH="291960" progId="Equation.DSMT4">
+                  <p:embed/>
+                </p:oleObj>
+              </mc:Choice>
+              <mc:Fallback>
+                <p:oleObj name="Equation" r:id="rId3" imgW="698400" imgH="291960" progId="Equation.DSMT4">
+                  <p:embed/>
+                  <p:pic>
+                    <p:nvPicPr>
+                      <p:cNvPr id="0" name=""/>
+                      <p:cNvPicPr/>
+                      <p:nvPr/>
+                    </p:nvPicPr>
+                    <p:blipFill>
+                      <a:blip r:embed="rId4"/>
+                      <a:stretch>
+                        <a:fillRect/>
+                      </a:stretch>
+                    </p:blipFill>
+                    <p:spPr>
+                      <a:xfrm>
+                        <a:off x="4349750" y="2597150"/>
+                        <a:ext cx="2754313" cy="1150938"/>
+                      </a:xfrm>
+                      <a:prstGeom prst="rect">
+                        <a:avLst/>
+                      </a:prstGeom>
+                    </p:spPr>
+                  </p:pic>
+                </p:oleObj>
+              </mc:Fallback>
+            </mc:AlternateContent>
+          </a:graphicData>
+        </a:graphic>
+      </p:graphicFrame>
+    </p:spTree>
+    <p:extLst>
+      <p:ext uri="{BB962C8B-B14F-4D97-AF65-F5344CB8AC3E}">
+        <p14:creationId xmlns:p14="http://schemas.microsoft.com/office/powerpoint/2010/main" val="3769040586"/>
+      </p:ext>
+    </p:extLst>
+  </p:cSld>
+  <p:clrMapOvr>
+    <a:masterClrMapping/>
+  </p:clrMapOvr>
+</p:sld>
+</file>
+
+<file path=ppt/slides/slide5.xml><?xml version="1.0" encoding="utf-8"?>
+<p:sld xmlns:a="http://schemas.openxmlformats.org/drawingml/2006/main" xmlns:r="http://schemas.openxmlformats.org/officeDocument/2006/relationships" xmlns:p="http://schemas.openxmlformats.org/presentationml/2006/main">
+  <p:cSld>
+    <p:spTree>
+      <p:nvGrpSpPr>
+        <p:cNvPr id="1" name=""/>
+        <p:cNvGrpSpPr/>
+        <p:nvPr/>
+      </p:nvGrpSpPr>
+      <p:grpSpPr>
+        <a:xfrm>
+          <a:off x="0" y="0"/>
+          <a:ext cx="0" cy="0"/>
+          <a:chOff x="0" y="0"/>
+          <a:chExt cx="0" cy="0"/>
+        </a:xfrm>
+      </p:grpSpPr>
+      <p:graphicFrame>
+        <p:nvGraphicFramePr>
+          <p:cNvPr id="4" name="Object 3">
+            <a:extLst>
+              <a:ext uri="{FF2B5EF4-FFF2-40B4-BE49-F238E27FC236}">
+                <a16:creationId xmlns:a16="http://schemas.microsoft.com/office/drawing/2014/main" id="{B29EC935-26B9-495B-8B0D-237529138B73}"/>
+              </a:ext>
+            </a:extLst>
+          </p:cNvPr>
+          <p:cNvGraphicFramePr>
+            <a:graphicFrameLocks noChangeAspect="1"/>
+          </p:cNvGraphicFramePr>
+          <p:nvPr>
+            <p:extLst>
+              <p:ext uri="{D42A27DB-BD31-4B8C-83A1-F6EECF244321}">
+                <p14:modId xmlns:p14="http://schemas.microsoft.com/office/powerpoint/2010/main" val="1317449818"/>
+              </p:ext>
+            </p:extLst>
+          </p:nvPr>
+        </p:nvGraphicFramePr>
+        <p:xfrm>
+          <a:off x="4533900" y="2271713"/>
+          <a:ext cx="3124200" cy="2311400"/>
+        </p:xfrm>
+        <a:graphic>
+          <a:graphicData uri="http://schemas.openxmlformats.org/presentationml/2006/ole">
+            <mc:AlternateContent xmlns:mc="http://schemas.openxmlformats.org/markup-compatibility/2006">
+              <mc:Choice xmlns:v="urn:schemas-microsoft-com:vml" Requires="v">
+                <p:oleObj spid="_x0000_s4098" name="Equation" r:id="rId3" imgW="3124080" imgH="2311200" progId="Equation.DSMT4">
+                  <p:embed/>
+                </p:oleObj>
+              </mc:Choice>
+              <mc:Fallback>
+                <p:oleObj name="Equation" r:id="rId3" imgW="3124080" imgH="2311200" progId="Equation.DSMT4">
+                  <p:embed/>
+                  <p:pic>
+                    <p:nvPicPr>
+                      <p:cNvPr id="0" name=""/>
+                      <p:cNvPicPr/>
+                      <p:nvPr/>
+                    </p:nvPicPr>
+                    <p:blipFill>
+                      <a:blip r:embed="rId4"/>
+                      <a:stretch>
+                        <a:fillRect/>
+                      </a:stretch>
+                    </p:blipFill>
+                    <p:spPr>
+                      <a:xfrm>
+                        <a:off x="4533900" y="2271713"/>
+                        <a:ext cx="3124200" cy="2311400"/>
+                      </a:xfrm>
+                      <a:prstGeom prst="rect">
+                        <a:avLst/>
+                      </a:prstGeom>
+                    </p:spPr>
+                  </p:pic>
+                </p:oleObj>
+              </mc:Fallback>
+            </mc:AlternateContent>
+          </a:graphicData>
+        </a:graphic>
+      </p:graphicFrame>
+    </p:spTree>
+    <p:extLst>
+      <p:ext uri="{BB962C8B-B14F-4D97-AF65-F5344CB8AC3E}">
+        <p14:creationId xmlns:p14="http://schemas.microsoft.com/office/powerpoint/2010/main" val="3279751334"/>
       </p:ext>
     </p:extLst>
   </p:cSld>

--- a/images/images.pptx
+++ b/images/images.pptx
@@ -3358,7 +3358,7 @@
           <a:graphicData uri="http://schemas.openxmlformats.org/presentationml/2006/ole">
             <mc:AlternateContent xmlns:mc="http://schemas.openxmlformats.org/markup-compatibility/2006">
               <mc:Choice xmlns:v="urn:schemas-microsoft-com:vml" Requires="v">
-                <p:oleObj spid="_x0000_s1030" name="Equation" r:id="rId3" imgW="1244520" imgH="393480" progId="Equation.DSMT4">
+                <p:oleObj spid="_x0000_s1031" name="Equation" r:id="rId3" imgW="1244520" imgH="393480" progId="Equation.DSMT4">
                   <p:embed/>
                 </p:oleObj>
               </mc:Choice>
@@ -3451,7 +3451,7 @@
           <a:graphicData uri="http://schemas.openxmlformats.org/presentationml/2006/ole">
             <mc:AlternateContent xmlns:mc="http://schemas.openxmlformats.org/markup-compatibility/2006">
               <mc:Choice xmlns:v="urn:schemas-microsoft-com:vml" Requires="v">
-                <p:oleObj spid="_x0000_s2054" name="Equation" r:id="rId3" imgW="4027814" imgH="3485382" progId="Equation.DSMT4">
+                <p:oleObj spid="_x0000_s2055" name="Equation" r:id="rId3" imgW="4027814" imgH="3485382" progId="Equation.DSMT4">
                   <p:embed/>
                 </p:oleObj>
               </mc:Choice>
@@ -4021,25 +4021,25 @@
           <p:nvPr>
             <p:extLst>
               <p:ext uri="{D42A27DB-BD31-4B8C-83A1-F6EECF244321}">
-                <p14:modId xmlns:p14="http://schemas.microsoft.com/office/powerpoint/2010/main" val="2511416871"/>
+                <p14:modId xmlns:p14="http://schemas.microsoft.com/office/powerpoint/2010/main" val="3144535854"/>
               </p:ext>
             </p:extLst>
           </p:nvPr>
         </p:nvGraphicFramePr>
         <p:xfrm>
-          <a:off x="4349750" y="2597150"/>
-          <a:ext cx="2754313" cy="1150938"/>
+          <a:off x="3173413" y="2497138"/>
+          <a:ext cx="5108575" cy="1350962"/>
         </p:xfrm>
         <a:graphic>
           <a:graphicData uri="http://schemas.openxmlformats.org/presentationml/2006/ole">
             <mc:AlternateContent xmlns:mc="http://schemas.openxmlformats.org/markup-compatibility/2006">
               <mc:Choice xmlns:v="urn:schemas-microsoft-com:vml" Requires="v">
-                <p:oleObj spid="_x0000_s3075" name="Equation" r:id="rId3" imgW="698400" imgH="291960" progId="Equation.DSMT4">
+                <p:oleObj spid="_x0000_s3076" name="Equation" r:id="rId3" imgW="1295280" imgH="342720" progId="Equation.DSMT4">
                   <p:embed/>
                 </p:oleObj>
               </mc:Choice>
               <mc:Fallback>
-                <p:oleObj name="Equation" r:id="rId3" imgW="698400" imgH="291960" progId="Equation.DSMT4">
+                <p:oleObj name="Equation" r:id="rId3" imgW="1295280" imgH="342720" progId="Equation.DSMT4">
                   <p:embed/>
                   <p:pic>
                     <p:nvPicPr>
@@ -4055,8 +4055,8 @@
                     </p:blipFill>
                     <p:spPr>
                       <a:xfrm>
-                        <a:off x="4349750" y="2597150"/>
-                        <a:ext cx="2754313" cy="1150938"/>
+                        <a:off x="3173413" y="2497138"/>
+                        <a:ext cx="5108575" cy="1350962"/>
                       </a:xfrm>
                       <a:prstGeom prst="rect">
                         <a:avLst/>
@@ -4127,7 +4127,7 @@
           <a:graphicData uri="http://schemas.openxmlformats.org/presentationml/2006/ole">
             <mc:AlternateContent xmlns:mc="http://schemas.openxmlformats.org/markup-compatibility/2006">
               <mc:Choice xmlns:v="urn:schemas-microsoft-com:vml" Requires="v">
-                <p:oleObj spid="_x0000_s4098" name="Equation" r:id="rId3" imgW="3124080" imgH="2311200" progId="Equation.DSMT4">
+                <p:oleObj spid="_x0000_s4099" name="Equation" r:id="rId3" imgW="3124080" imgH="2311200" progId="Equation.DSMT4">
                   <p:embed/>
                 </p:oleObj>
               </mc:Choice>

--- a/images/images.pptx
+++ b/images/images.pptx
@@ -10,6 +10,7 @@
     <p:sldId id="258" r:id="rId4"/>
     <p:sldId id="259" r:id="rId5"/>
     <p:sldId id="260" r:id="rId6"/>
+    <p:sldId id="261" r:id="rId7"/>
   </p:sldIdLst>
   <p:sldSz cx="12192000" cy="6858000"/>
   <p:notesSz cx="6858000" cy="9144000"/>
@@ -263,7 +264,7 @@
           <a:p>
             <a:fld id="{0ACF97B7-0492-4F4B-AECC-A77C1015B0F4}" type="datetimeFigureOut">
               <a:rPr lang="en-US" smtClean="0"/>
-              <a:t>4/6/2020</a:t>
+              <a:t>4/8/2020</a:t>
             </a:fld>
             <a:endParaRPr lang="en-US"/>
           </a:p>
@@ -461,7 +462,7 @@
           <a:p>
             <a:fld id="{0ACF97B7-0492-4F4B-AECC-A77C1015B0F4}" type="datetimeFigureOut">
               <a:rPr lang="en-US" smtClean="0"/>
-              <a:t>4/6/2020</a:t>
+              <a:t>4/8/2020</a:t>
             </a:fld>
             <a:endParaRPr lang="en-US"/>
           </a:p>
@@ -669,7 +670,7 @@
           <a:p>
             <a:fld id="{0ACF97B7-0492-4F4B-AECC-A77C1015B0F4}" type="datetimeFigureOut">
               <a:rPr lang="en-US" smtClean="0"/>
-              <a:t>4/6/2020</a:t>
+              <a:t>4/8/2020</a:t>
             </a:fld>
             <a:endParaRPr lang="en-US"/>
           </a:p>
@@ -867,7 +868,7 @@
           <a:p>
             <a:fld id="{0ACF97B7-0492-4F4B-AECC-A77C1015B0F4}" type="datetimeFigureOut">
               <a:rPr lang="en-US" smtClean="0"/>
-              <a:t>4/6/2020</a:t>
+              <a:t>4/8/2020</a:t>
             </a:fld>
             <a:endParaRPr lang="en-US"/>
           </a:p>
@@ -1142,7 +1143,7 @@
           <a:p>
             <a:fld id="{0ACF97B7-0492-4F4B-AECC-A77C1015B0F4}" type="datetimeFigureOut">
               <a:rPr lang="en-US" smtClean="0"/>
-              <a:t>4/6/2020</a:t>
+              <a:t>4/8/2020</a:t>
             </a:fld>
             <a:endParaRPr lang="en-US"/>
           </a:p>
@@ -1407,7 +1408,7 @@
           <a:p>
             <a:fld id="{0ACF97B7-0492-4F4B-AECC-A77C1015B0F4}" type="datetimeFigureOut">
               <a:rPr lang="en-US" smtClean="0"/>
-              <a:t>4/6/2020</a:t>
+              <a:t>4/8/2020</a:t>
             </a:fld>
             <a:endParaRPr lang="en-US"/>
           </a:p>
@@ -1819,7 +1820,7 @@
           <a:p>
             <a:fld id="{0ACF97B7-0492-4F4B-AECC-A77C1015B0F4}" type="datetimeFigureOut">
               <a:rPr lang="en-US" smtClean="0"/>
-              <a:t>4/6/2020</a:t>
+              <a:t>4/8/2020</a:t>
             </a:fld>
             <a:endParaRPr lang="en-US"/>
           </a:p>
@@ -1960,7 +1961,7 @@
           <a:p>
             <a:fld id="{0ACF97B7-0492-4F4B-AECC-A77C1015B0F4}" type="datetimeFigureOut">
               <a:rPr lang="en-US" smtClean="0"/>
-              <a:t>4/6/2020</a:t>
+              <a:t>4/8/2020</a:t>
             </a:fld>
             <a:endParaRPr lang="en-US"/>
           </a:p>
@@ -2073,7 +2074,7 @@
           <a:p>
             <a:fld id="{0ACF97B7-0492-4F4B-AECC-A77C1015B0F4}" type="datetimeFigureOut">
               <a:rPr lang="en-US" smtClean="0"/>
-              <a:t>4/6/2020</a:t>
+              <a:t>4/8/2020</a:t>
             </a:fld>
             <a:endParaRPr lang="en-US"/>
           </a:p>
@@ -2384,7 +2385,7 @@
           <a:p>
             <a:fld id="{0ACF97B7-0492-4F4B-AECC-A77C1015B0F4}" type="datetimeFigureOut">
               <a:rPr lang="en-US" smtClean="0"/>
-              <a:t>4/6/2020</a:t>
+              <a:t>4/8/2020</a:t>
             </a:fld>
             <a:endParaRPr lang="en-US"/>
           </a:p>
@@ -2672,7 +2673,7 @@
           <a:p>
             <a:fld id="{0ACF97B7-0492-4F4B-AECC-A77C1015B0F4}" type="datetimeFigureOut">
               <a:rPr lang="en-US" smtClean="0"/>
-              <a:t>4/6/2020</a:t>
+              <a:t>4/8/2020</a:t>
             </a:fld>
             <a:endParaRPr lang="en-US"/>
           </a:p>
@@ -2913,7 +2914,7 @@
           <a:p>
             <a:fld id="{0ACF97B7-0492-4F4B-AECC-A77C1015B0F4}" type="datetimeFigureOut">
               <a:rPr lang="en-US" smtClean="0"/>
-              <a:t>4/6/2020</a:t>
+              <a:t>4/8/2020</a:t>
             </a:fld>
             <a:endParaRPr lang="en-US"/>
           </a:p>
@@ -3358,7 +3359,7 @@
           <a:graphicData uri="http://schemas.openxmlformats.org/presentationml/2006/ole">
             <mc:AlternateContent xmlns:mc="http://schemas.openxmlformats.org/markup-compatibility/2006">
               <mc:Choice xmlns:v="urn:schemas-microsoft-com:vml" Requires="v">
-                <p:oleObj spid="_x0000_s1031" name="Equation" r:id="rId3" imgW="1244520" imgH="393480" progId="Equation.DSMT4">
+                <p:oleObj spid="_x0000_s1033" name="Equation" r:id="rId3" imgW="1244520" imgH="393480" progId="Equation.DSMT4">
                   <p:embed/>
                 </p:oleObj>
               </mc:Choice>
@@ -3451,7 +3452,7 @@
           <a:graphicData uri="http://schemas.openxmlformats.org/presentationml/2006/ole">
             <mc:AlternateContent xmlns:mc="http://schemas.openxmlformats.org/markup-compatibility/2006">
               <mc:Choice xmlns:v="urn:schemas-microsoft-com:vml" Requires="v">
-                <p:oleObj spid="_x0000_s2055" name="Equation" r:id="rId3" imgW="4027814" imgH="3485382" progId="Equation.DSMT4">
+                <p:oleObj spid="_x0000_s2057" name="Equation" r:id="rId3" imgW="4027814" imgH="3485382" progId="Equation.DSMT4">
                   <p:embed/>
                 </p:oleObj>
               </mc:Choice>
@@ -4034,7 +4035,7 @@
           <a:graphicData uri="http://schemas.openxmlformats.org/presentationml/2006/ole">
             <mc:AlternateContent xmlns:mc="http://schemas.openxmlformats.org/markup-compatibility/2006">
               <mc:Choice xmlns:v="urn:schemas-microsoft-com:vml" Requires="v">
-                <p:oleObj spid="_x0000_s3076" name="Equation" r:id="rId3" imgW="1295280" imgH="342720" progId="Equation.DSMT4">
+                <p:oleObj spid="_x0000_s3078" name="Equation" r:id="rId3" imgW="1295280" imgH="342720" progId="Equation.DSMT4">
                   <p:embed/>
                 </p:oleObj>
               </mc:Choice>
@@ -4127,7 +4128,7 @@
           <a:graphicData uri="http://schemas.openxmlformats.org/presentationml/2006/ole">
             <mc:AlternateContent xmlns:mc="http://schemas.openxmlformats.org/markup-compatibility/2006">
               <mc:Choice xmlns:v="urn:schemas-microsoft-com:vml" Requires="v">
-                <p:oleObj spid="_x0000_s4099" name="Equation" r:id="rId3" imgW="3124080" imgH="2311200" progId="Equation.DSMT4">
+                <p:oleObj spid="_x0000_s4101" name="Equation" r:id="rId3" imgW="3124080" imgH="2311200" progId="Equation.DSMT4">
                   <p:embed/>
                 </p:oleObj>
               </mc:Choice>
@@ -4166,6 +4167,294 @@
     <p:extLst>
       <p:ext uri="{BB962C8B-B14F-4D97-AF65-F5344CB8AC3E}">
         <p14:creationId xmlns:p14="http://schemas.microsoft.com/office/powerpoint/2010/main" val="3279751334"/>
+      </p:ext>
+    </p:extLst>
+  </p:cSld>
+  <p:clrMapOvr>
+    <a:masterClrMapping/>
+  </p:clrMapOvr>
+</p:sld>
+</file>
+
+<file path=ppt/slides/slide6.xml><?xml version="1.0" encoding="utf-8"?>
+<p:sld xmlns:a="http://schemas.openxmlformats.org/drawingml/2006/main" xmlns:r="http://schemas.openxmlformats.org/officeDocument/2006/relationships" xmlns:p="http://schemas.openxmlformats.org/presentationml/2006/main">
+  <p:cSld>
+    <p:spTree>
+      <p:nvGrpSpPr>
+        <p:cNvPr id="1" name=""/>
+        <p:cNvGrpSpPr/>
+        <p:nvPr/>
+      </p:nvGrpSpPr>
+      <p:grpSpPr>
+        <a:xfrm>
+          <a:off x="0" y="0"/>
+          <a:ext cx="0" cy="0"/>
+          <a:chOff x="0" y="0"/>
+          <a:chExt cx="0" cy="0"/>
+        </a:xfrm>
+      </p:grpSpPr>
+      <p:graphicFrame>
+        <p:nvGraphicFramePr>
+          <p:cNvPr id="4" name="Object 3">
+            <a:extLst>
+              <a:ext uri="{FF2B5EF4-FFF2-40B4-BE49-F238E27FC236}">
+                <a16:creationId xmlns:a16="http://schemas.microsoft.com/office/drawing/2014/main" id="{5E5E7D85-C479-43B6-A871-01B2236DC105}"/>
+              </a:ext>
+            </a:extLst>
+          </p:cNvPr>
+          <p:cNvGraphicFramePr>
+            <a:graphicFrameLocks noChangeAspect="1"/>
+          </p:cNvGraphicFramePr>
+          <p:nvPr>
+            <p:extLst>
+              <p:ext uri="{D42A27DB-BD31-4B8C-83A1-F6EECF244321}">
+                <p14:modId xmlns:p14="http://schemas.microsoft.com/office/powerpoint/2010/main" val="3145226610"/>
+              </p:ext>
+            </p:extLst>
+          </p:nvPr>
+        </p:nvGraphicFramePr>
+        <p:xfrm>
+          <a:off x="2376592" y="3008519"/>
+          <a:ext cx="1174708" cy="587354"/>
+        </p:xfrm>
+        <a:graphic>
+          <a:graphicData uri="http://schemas.openxmlformats.org/presentationml/2006/ole">
+            <mc:AlternateContent xmlns:mc="http://schemas.openxmlformats.org/markup-compatibility/2006">
+              <mc:Choice xmlns:v="urn:schemas-microsoft-com:vml" Requires="v">
+                <p:oleObj spid="_x0000_s5124" name="Equation" r:id="rId3" imgW="787320" imgH="393480" progId="Equation.DSMT4">
+                  <p:embed/>
+                </p:oleObj>
+              </mc:Choice>
+              <mc:Fallback>
+                <p:oleObj name="Equation" r:id="rId3" imgW="787320" imgH="393480" progId="Equation.DSMT4">
+                  <p:embed/>
+                  <p:pic>
+                    <p:nvPicPr>
+                      <p:cNvPr id="0" name=""/>
+                      <p:cNvPicPr/>
+                      <p:nvPr/>
+                    </p:nvPicPr>
+                    <p:blipFill>
+                      <a:blip r:embed="rId4"/>
+                      <a:stretch>
+                        <a:fillRect/>
+                      </a:stretch>
+                    </p:blipFill>
+                    <p:spPr>
+                      <a:xfrm>
+                        <a:off x="2376592" y="3008519"/>
+                        <a:ext cx="1174708" cy="587354"/>
+                      </a:xfrm>
+                      <a:prstGeom prst="rect">
+                        <a:avLst/>
+                      </a:prstGeom>
+                    </p:spPr>
+                  </p:pic>
+                </p:oleObj>
+              </mc:Fallback>
+            </mc:AlternateContent>
+          </a:graphicData>
+        </a:graphic>
+      </p:graphicFrame>
+      <p:graphicFrame>
+        <p:nvGraphicFramePr>
+          <p:cNvPr id="5" name="Object 4">
+            <a:extLst>
+              <a:ext uri="{FF2B5EF4-FFF2-40B4-BE49-F238E27FC236}">
+                <a16:creationId xmlns:a16="http://schemas.microsoft.com/office/drawing/2014/main" id="{E6CC81F5-3975-46B2-B6B9-11528248DCEA}"/>
+              </a:ext>
+            </a:extLst>
+          </p:cNvPr>
+          <p:cNvGraphicFramePr>
+            <a:graphicFrameLocks noChangeAspect="1"/>
+          </p:cNvGraphicFramePr>
+          <p:nvPr>
+            <p:extLst>
+              <p:ext uri="{D42A27DB-BD31-4B8C-83A1-F6EECF244321}">
+                <p14:modId xmlns:p14="http://schemas.microsoft.com/office/powerpoint/2010/main" val="863984318"/>
+              </p:ext>
+            </p:extLst>
+          </p:nvPr>
+        </p:nvGraphicFramePr>
+        <p:xfrm>
+          <a:off x="5659438" y="2678113"/>
+          <a:ext cx="2047875" cy="1249362"/>
+        </p:xfrm>
+        <a:graphic>
+          <a:graphicData uri="http://schemas.openxmlformats.org/presentationml/2006/ole">
+            <mc:AlternateContent xmlns:mc="http://schemas.openxmlformats.org/markup-compatibility/2006">
+              <mc:Choice xmlns:v="urn:schemas-microsoft-com:vml" Requires="v">
+                <p:oleObj spid="_x0000_s5125" name="Equation" r:id="rId5" imgW="1371600" imgH="838080" progId="Equation.DSMT4">
+                  <p:embed/>
+                </p:oleObj>
+              </mc:Choice>
+              <mc:Fallback>
+                <p:oleObj name="Equation" r:id="rId5" imgW="1371600" imgH="838080" progId="Equation.DSMT4">
+                  <p:embed/>
+                  <p:pic>
+                    <p:nvPicPr>
+                      <p:cNvPr id="4" name="Object 3">
+                        <a:extLst>
+                          <a:ext uri="{FF2B5EF4-FFF2-40B4-BE49-F238E27FC236}">
+                            <a16:creationId xmlns:a16="http://schemas.microsoft.com/office/drawing/2014/main" id="{5E5E7D85-C479-43B6-A871-01B2236DC105}"/>
+                          </a:ext>
+                        </a:extLst>
+                      </p:cNvPr>
+                      <p:cNvPicPr/>
+                      <p:nvPr/>
+                    </p:nvPicPr>
+                    <p:blipFill>
+                      <a:blip r:embed="rId6"/>
+                      <a:stretch>
+                        <a:fillRect/>
+                      </a:stretch>
+                    </p:blipFill>
+                    <p:spPr>
+                      <a:xfrm>
+                        <a:off x="5659438" y="2678113"/>
+                        <a:ext cx="2047875" cy="1249362"/>
+                      </a:xfrm>
+                      <a:prstGeom prst="rect">
+                        <a:avLst/>
+                      </a:prstGeom>
+                    </p:spPr>
+                  </p:pic>
+                </p:oleObj>
+              </mc:Fallback>
+            </mc:AlternateContent>
+          </a:graphicData>
+        </a:graphic>
+      </p:graphicFrame>
+      <p:graphicFrame>
+        <p:nvGraphicFramePr>
+          <p:cNvPr id="6" name="Object 5">
+            <a:extLst>
+              <a:ext uri="{FF2B5EF4-FFF2-40B4-BE49-F238E27FC236}">
+                <a16:creationId xmlns:a16="http://schemas.microsoft.com/office/drawing/2014/main" id="{78CD37B1-E30D-4A3F-A172-692E46E1AA64}"/>
+              </a:ext>
+            </a:extLst>
+          </p:cNvPr>
+          <p:cNvGraphicFramePr>
+            <a:graphicFrameLocks noChangeAspect="1"/>
+          </p:cNvGraphicFramePr>
+          <p:nvPr>
+            <p:extLst>
+              <p:ext uri="{D42A27DB-BD31-4B8C-83A1-F6EECF244321}">
+                <p14:modId xmlns:p14="http://schemas.microsoft.com/office/powerpoint/2010/main" val="842334120"/>
+              </p:ext>
+            </p:extLst>
+          </p:nvPr>
+        </p:nvGraphicFramePr>
+        <p:xfrm>
+          <a:off x="9199386" y="3133725"/>
+          <a:ext cx="1452739" cy="552450"/>
+        </p:xfrm>
+        <a:graphic>
+          <a:graphicData uri="http://schemas.openxmlformats.org/presentationml/2006/ole">
+            <mc:AlternateContent xmlns:mc="http://schemas.openxmlformats.org/markup-compatibility/2006">
+              <mc:Choice xmlns:v="urn:schemas-microsoft-com:vml" Requires="v">
+                <p:oleObj spid="_x0000_s5126" name="Equation" r:id="rId7" imgW="901440" imgH="342720" progId="Equation.DSMT4">
+                  <p:embed/>
+                </p:oleObj>
+              </mc:Choice>
+              <mc:Fallback>
+                <p:oleObj name="Equation" r:id="rId7" imgW="901440" imgH="342720" progId="Equation.DSMT4">
+                  <p:embed/>
+                  <p:pic>
+                    <p:nvPicPr>
+                      <p:cNvPr id="0" name=""/>
+                      <p:cNvPicPr/>
+                      <p:nvPr/>
+                    </p:nvPicPr>
+                    <p:blipFill>
+                      <a:blip r:embed="rId8"/>
+                      <a:stretch>
+                        <a:fillRect/>
+                      </a:stretch>
+                    </p:blipFill>
+                    <p:spPr>
+                      <a:xfrm>
+                        <a:off x="9199386" y="3133725"/>
+                        <a:ext cx="1452739" cy="552450"/>
+                      </a:xfrm>
+                      <a:prstGeom prst="rect">
+                        <a:avLst/>
+                      </a:prstGeom>
+                    </p:spPr>
+                  </p:pic>
+                </p:oleObj>
+              </mc:Fallback>
+            </mc:AlternateContent>
+          </a:graphicData>
+        </a:graphic>
+      </p:graphicFrame>
+      <p:graphicFrame>
+        <p:nvGraphicFramePr>
+          <p:cNvPr id="7" name="Object 6">
+            <a:extLst>
+              <a:ext uri="{FF2B5EF4-FFF2-40B4-BE49-F238E27FC236}">
+                <a16:creationId xmlns:a16="http://schemas.microsoft.com/office/drawing/2014/main" id="{310FD121-FB70-48C2-8DCF-01B2364153E7}"/>
+              </a:ext>
+            </a:extLst>
+          </p:cNvPr>
+          <p:cNvGraphicFramePr>
+            <a:graphicFrameLocks noChangeAspect="1"/>
+          </p:cNvGraphicFramePr>
+          <p:nvPr>
+            <p:extLst>
+              <p:ext uri="{D42A27DB-BD31-4B8C-83A1-F6EECF244321}">
+                <p14:modId xmlns:p14="http://schemas.microsoft.com/office/powerpoint/2010/main" val="1284934971"/>
+              </p:ext>
+            </p:extLst>
+          </p:nvPr>
+        </p:nvGraphicFramePr>
+        <p:xfrm>
+          <a:off x="4995228" y="5059363"/>
+          <a:ext cx="1556386" cy="331787"/>
+        </p:xfrm>
+        <a:graphic>
+          <a:graphicData uri="http://schemas.openxmlformats.org/presentationml/2006/ole">
+            <mc:AlternateContent xmlns:mc="http://schemas.openxmlformats.org/markup-compatibility/2006">
+              <mc:Choice xmlns:v="urn:schemas-microsoft-com:vml" Requires="v">
+                <p:oleObj spid="_x0000_s5127" name="Equation" r:id="rId9" imgW="1193760" imgH="253800" progId="Equation.DSMT4">
+                  <p:embed/>
+                </p:oleObj>
+              </mc:Choice>
+              <mc:Fallback>
+                <p:oleObj name="Equation" r:id="rId9" imgW="1193760" imgH="253800" progId="Equation.DSMT4">
+                  <p:embed/>
+                  <p:pic>
+                    <p:nvPicPr>
+                      <p:cNvPr id="0" name=""/>
+                      <p:cNvPicPr/>
+                      <p:nvPr/>
+                    </p:nvPicPr>
+                    <p:blipFill>
+                      <a:blip r:embed="rId10"/>
+                      <a:stretch>
+                        <a:fillRect/>
+                      </a:stretch>
+                    </p:blipFill>
+                    <p:spPr>
+                      <a:xfrm>
+                        <a:off x="4995228" y="5059363"/>
+                        <a:ext cx="1556386" cy="331787"/>
+                      </a:xfrm>
+                      <a:prstGeom prst="rect">
+                        <a:avLst/>
+                      </a:prstGeom>
+                    </p:spPr>
+                  </p:pic>
+                </p:oleObj>
+              </mc:Fallback>
+            </mc:AlternateContent>
+          </a:graphicData>
+        </a:graphic>
+      </p:graphicFrame>
+    </p:spTree>
+    <p:extLst>
+      <p:ext uri="{BB962C8B-B14F-4D97-AF65-F5344CB8AC3E}">
+        <p14:creationId xmlns:p14="http://schemas.microsoft.com/office/powerpoint/2010/main" val="3478388021"/>
       </p:ext>
     </p:extLst>
   </p:cSld>
